--- a/git_file.pptx
+++ b/git_file.pptx
@@ -19,7 +19,11 @@
     <p:sldId id="306" r:id="rId13"/>
     <p:sldId id="307" r:id="rId14"/>
     <p:sldId id="308" r:id="rId15"/>
-    <p:sldId id="265" r:id="rId16"/>
+    <p:sldId id="309" r:id="rId16"/>
+    <p:sldId id="310" r:id="rId17"/>
+    <p:sldId id="311" r:id="rId18"/>
+    <p:sldId id="312" r:id="rId19"/>
+    <p:sldId id="265" r:id="rId20"/>
   </p:sldIdLst>
   <p:sldSz cx="9144000" cy="6858000" type="screen4x3"/>
   <p:notesSz cx="6858000" cy="9144000"/>
@@ -302,7 +306,7 @@
           <a:p>
             <a:fld id="{8714F72B-2C8F-4A0E-A73E-340B25F86593}" type="datetimeFigureOut">
               <a:rPr lang="en-US" smtClean="0"/>
-              <a:t>3/16/2024</a:t>
+              <a:t>3/17/2024</a:t>
             </a:fld>
             <a:endParaRPr lang="en-US"/>
           </a:p>
@@ -472,7 +476,7 @@
           <a:p>
             <a:fld id="{8714F72B-2C8F-4A0E-A73E-340B25F86593}" type="datetimeFigureOut">
               <a:rPr lang="en-US" smtClean="0"/>
-              <a:t>3/16/2024</a:t>
+              <a:t>3/17/2024</a:t>
             </a:fld>
             <a:endParaRPr lang="en-US"/>
           </a:p>
@@ -652,7 +656,7 @@
           <a:p>
             <a:fld id="{8714F72B-2C8F-4A0E-A73E-340B25F86593}" type="datetimeFigureOut">
               <a:rPr lang="en-US" smtClean="0"/>
-              <a:t>3/16/2024</a:t>
+              <a:t>3/17/2024</a:t>
             </a:fld>
             <a:endParaRPr lang="en-US"/>
           </a:p>
@@ -822,7 +826,7 @@
           <a:p>
             <a:fld id="{8714F72B-2C8F-4A0E-A73E-340B25F86593}" type="datetimeFigureOut">
               <a:rPr lang="en-US" smtClean="0"/>
-              <a:t>3/16/2024</a:t>
+              <a:t>3/17/2024</a:t>
             </a:fld>
             <a:endParaRPr lang="en-US"/>
           </a:p>
@@ -1068,7 +1072,7 @@
           <a:p>
             <a:fld id="{8714F72B-2C8F-4A0E-A73E-340B25F86593}" type="datetimeFigureOut">
               <a:rPr lang="en-US" smtClean="0"/>
-              <a:t>3/16/2024</a:t>
+              <a:t>3/17/2024</a:t>
             </a:fld>
             <a:endParaRPr lang="en-US"/>
           </a:p>
@@ -1356,7 +1360,7 @@
           <a:p>
             <a:fld id="{8714F72B-2C8F-4A0E-A73E-340B25F86593}" type="datetimeFigureOut">
               <a:rPr lang="en-US" smtClean="0"/>
-              <a:t>3/16/2024</a:t>
+              <a:t>3/17/2024</a:t>
             </a:fld>
             <a:endParaRPr lang="en-US"/>
           </a:p>
@@ -1778,7 +1782,7 @@
           <a:p>
             <a:fld id="{8714F72B-2C8F-4A0E-A73E-340B25F86593}" type="datetimeFigureOut">
               <a:rPr lang="en-US" smtClean="0"/>
-              <a:t>3/16/2024</a:t>
+              <a:t>3/17/2024</a:t>
             </a:fld>
             <a:endParaRPr lang="en-US"/>
           </a:p>
@@ -1896,7 +1900,7 @@
           <a:p>
             <a:fld id="{8714F72B-2C8F-4A0E-A73E-340B25F86593}" type="datetimeFigureOut">
               <a:rPr lang="en-US" smtClean="0"/>
-              <a:t>3/16/2024</a:t>
+              <a:t>3/17/2024</a:t>
             </a:fld>
             <a:endParaRPr lang="en-US"/>
           </a:p>
@@ -1991,7 +1995,7 @@
           <a:p>
             <a:fld id="{8714F72B-2C8F-4A0E-A73E-340B25F86593}" type="datetimeFigureOut">
               <a:rPr lang="en-US" smtClean="0"/>
-              <a:t>3/16/2024</a:t>
+              <a:t>3/17/2024</a:t>
             </a:fld>
             <a:endParaRPr lang="en-US"/>
           </a:p>
@@ -2268,7 +2272,7 @@
           <a:p>
             <a:fld id="{8714F72B-2C8F-4A0E-A73E-340B25F86593}" type="datetimeFigureOut">
               <a:rPr lang="en-US" smtClean="0"/>
-              <a:t>3/16/2024</a:t>
+              <a:t>3/17/2024</a:t>
             </a:fld>
             <a:endParaRPr lang="en-US"/>
           </a:p>
@@ -2521,7 +2525,7 @@
           <a:p>
             <a:fld id="{8714F72B-2C8F-4A0E-A73E-340B25F86593}" type="datetimeFigureOut">
               <a:rPr lang="en-US" smtClean="0"/>
-              <a:t>3/16/2024</a:t>
+              <a:t>3/17/2024</a:t>
             </a:fld>
             <a:endParaRPr lang="en-US"/>
           </a:p>
@@ -2757,7 +2761,7 @@
           <a:p>
             <a:fld id="{8714F72B-2C8F-4A0E-A73E-340B25F86593}" type="datetimeFigureOut">
               <a:rPr lang="en-US" smtClean="0"/>
-              <a:t>3/16/2024</a:t>
+              <a:t>3/17/2024</a:t>
             </a:fld>
             <a:endParaRPr lang="en-US"/>
           </a:p>
@@ -5354,6 +5358,2371 @@
       </p:grpSpPr>
       <p:sp>
         <p:nvSpPr>
+          <p:cNvPr id="2" name="Title 1"/>
+          <p:cNvSpPr>
+            <a:spLocks noGrp="1"/>
+          </p:cNvSpPr>
+          <p:nvPr>
+            <p:ph type="title"/>
+          </p:nvPr>
+        </p:nvSpPr>
+        <p:spPr/>
+        <p:txBody>
+          <a:bodyPr/>
+          <a:lstStyle/>
+          <a:p>
+            <a:r>
+              <a:rPr lang="en-US" dirty="0" err="1" smtClean="0">
+                <a:solidFill>
+                  <a:schemeClr val="bg1"/>
+                </a:solidFill>
+              </a:rPr>
+              <a:t>Github</a:t>
+            </a:r>
+            <a:r>
+              <a:rPr lang="en-US" dirty="0" smtClean="0">
+                <a:solidFill>
+                  <a:schemeClr val="bg1"/>
+                </a:solidFill>
+              </a:rPr>
+              <a:t> Collaboration</a:t>
+            </a:r>
+            <a:endParaRPr lang="en-US" dirty="0">
+              <a:solidFill>
+                <a:schemeClr val="bg1"/>
+              </a:solidFill>
+            </a:endParaRPr>
+          </a:p>
+        </p:txBody>
+      </p:sp>
+      <p:sp>
+        <p:nvSpPr>
+          <p:cNvPr id="3" name="Content Placeholder 2"/>
+          <p:cNvSpPr>
+            <a:spLocks noGrp="1"/>
+          </p:cNvSpPr>
+          <p:nvPr>
+            <p:ph idx="1"/>
+          </p:nvPr>
+        </p:nvSpPr>
+        <p:spPr>
+          <a:xfrm>
+            <a:off x="457200" y="1600200"/>
+            <a:ext cx="8686800" cy="4525963"/>
+          </a:xfrm>
+        </p:spPr>
+        <p:txBody>
+          <a:bodyPr>
+            <a:normAutofit/>
+          </a:bodyPr>
+          <a:lstStyle/>
+          <a:p>
+            <a:pPr marL="914400" lvl="2" indent="0">
+              <a:buNone/>
+            </a:pPr>
+            <a:endParaRPr lang="en-US" sz="1600" b="1" dirty="0" smtClean="0">
+              <a:solidFill>
+                <a:schemeClr val="bg1"/>
+              </a:solidFill>
+              <a:latin typeface="Times New Roman" pitchFamily="18" charset="0"/>
+              <a:cs typeface="Times New Roman" pitchFamily="18" charset="0"/>
+            </a:endParaRPr>
+          </a:p>
+        </p:txBody>
+      </p:sp>
+      <p:pic>
+        <p:nvPicPr>
+          <p:cNvPr id="5" name="Picture 4"/>
+          <p:cNvPicPr>
+            <a:picLocks noChangeAspect="1"/>
+          </p:cNvPicPr>
+          <p:nvPr/>
+        </p:nvPicPr>
+        <p:blipFill rotWithShape="1">
+          <a:blip r:embed="rId2">
+            <a:extLst>
+              <a:ext uri="{28A0092B-C50C-407E-A947-70E740481C1C}">
+                <a14:useLocalDpi xmlns:a14="http://schemas.microsoft.com/office/drawing/2010/main" val="0"/>
+              </a:ext>
+            </a:extLst>
+          </a:blip>
+          <a:srcRect t="34800" b="40400"/>
+          <a:stretch/>
+        </p:blipFill>
+        <p:spPr>
+          <a:xfrm>
+            <a:off x="7162800" y="7925"/>
+            <a:ext cx="1981200" cy="491338"/>
+          </a:xfrm>
+          <a:prstGeom prst="rect">
+            <a:avLst/>
+          </a:prstGeom>
+        </p:spPr>
+      </p:pic>
+      <p:sp>
+        <p:nvSpPr>
+          <p:cNvPr id="4" name="Rectangle 3"/>
+          <p:cNvSpPr/>
+          <p:nvPr/>
+        </p:nvSpPr>
+        <p:spPr>
+          <a:xfrm>
+            <a:off x="3886200" y="2895600"/>
+            <a:ext cx="2286000" cy="1066800"/>
+          </a:xfrm>
+          <a:prstGeom prst="rect">
+            <a:avLst/>
+          </a:prstGeom>
+          <a:solidFill>
+            <a:schemeClr val="bg1"/>
+          </a:solidFill>
+          <a:ln>
+            <a:solidFill>
+              <a:schemeClr val="bg2"/>
+            </a:solidFill>
+          </a:ln>
+        </p:spPr>
+        <p:style>
+          <a:lnRef idx="2">
+            <a:schemeClr val="accent1">
+              <a:shade val="50000"/>
+            </a:schemeClr>
+          </a:lnRef>
+          <a:fillRef idx="1">
+            <a:schemeClr val="accent1"/>
+          </a:fillRef>
+          <a:effectRef idx="0">
+            <a:schemeClr val="accent1"/>
+          </a:effectRef>
+          <a:fontRef idx="minor">
+            <a:schemeClr val="lt1"/>
+          </a:fontRef>
+        </p:style>
+        <p:txBody>
+          <a:bodyPr rtlCol="0" anchor="ctr"/>
+          <a:lstStyle/>
+          <a:p>
+            <a:pPr algn="ctr"/>
+            <a:r>
+              <a:rPr lang="en-US" b="1" dirty="0" err="1" smtClean="0">
+                <a:solidFill>
+                  <a:schemeClr val="tx1"/>
+                </a:solidFill>
+              </a:rPr>
+              <a:t>Github</a:t>
+            </a:r>
+            <a:r>
+              <a:rPr lang="en-US" b="1" dirty="0" smtClean="0">
+                <a:solidFill>
+                  <a:schemeClr val="tx1"/>
+                </a:solidFill>
+              </a:rPr>
+              <a:t> Repository (Online)</a:t>
+            </a:r>
+            <a:endParaRPr lang="en-US" b="1" dirty="0">
+              <a:solidFill>
+                <a:schemeClr val="tx1"/>
+              </a:solidFill>
+            </a:endParaRPr>
+          </a:p>
+        </p:txBody>
+      </p:sp>
+      <p:sp>
+        <p:nvSpPr>
+          <p:cNvPr id="6" name="Oval 5"/>
+          <p:cNvSpPr/>
+          <p:nvPr/>
+        </p:nvSpPr>
+        <p:spPr>
+          <a:xfrm>
+            <a:off x="1066800" y="2209800"/>
+            <a:ext cx="1447800" cy="1143000"/>
+          </a:xfrm>
+          <a:prstGeom prst="ellipse">
+            <a:avLst/>
+          </a:prstGeom>
+          <a:solidFill>
+            <a:schemeClr val="bg1"/>
+          </a:solidFill>
+          <a:ln>
+            <a:solidFill>
+              <a:schemeClr val="bg2"/>
+            </a:solidFill>
+          </a:ln>
+        </p:spPr>
+        <p:style>
+          <a:lnRef idx="2">
+            <a:schemeClr val="accent1">
+              <a:shade val="50000"/>
+            </a:schemeClr>
+          </a:lnRef>
+          <a:fillRef idx="1">
+            <a:schemeClr val="accent1"/>
+          </a:fillRef>
+          <a:effectRef idx="0">
+            <a:schemeClr val="accent1"/>
+          </a:effectRef>
+          <a:fontRef idx="minor">
+            <a:schemeClr val="lt1"/>
+          </a:fontRef>
+        </p:style>
+        <p:txBody>
+          <a:bodyPr rtlCol="0" anchor="ctr"/>
+          <a:lstStyle/>
+          <a:p>
+            <a:pPr algn="ctr"/>
+            <a:r>
+              <a:rPr lang="en-US" b="1" dirty="0" smtClean="0">
+                <a:solidFill>
+                  <a:schemeClr val="tx1"/>
+                </a:solidFill>
+              </a:rPr>
+              <a:t>Team Member 1</a:t>
+            </a:r>
+            <a:endParaRPr lang="en-US" b="1" dirty="0">
+              <a:solidFill>
+                <a:schemeClr val="tx1"/>
+              </a:solidFill>
+            </a:endParaRPr>
+          </a:p>
+        </p:txBody>
+      </p:sp>
+      <p:sp>
+        <p:nvSpPr>
+          <p:cNvPr id="7" name="Oval 6"/>
+          <p:cNvSpPr/>
+          <p:nvPr/>
+        </p:nvSpPr>
+        <p:spPr>
+          <a:xfrm>
+            <a:off x="1295400" y="4800600"/>
+            <a:ext cx="1447800" cy="1143000"/>
+          </a:xfrm>
+          <a:prstGeom prst="ellipse">
+            <a:avLst/>
+          </a:prstGeom>
+          <a:solidFill>
+            <a:schemeClr val="bg1"/>
+          </a:solidFill>
+          <a:ln>
+            <a:solidFill>
+              <a:schemeClr val="bg2"/>
+            </a:solidFill>
+          </a:ln>
+        </p:spPr>
+        <p:style>
+          <a:lnRef idx="2">
+            <a:schemeClr val="accent1">
+              <a:shade val="50000"/>
+            </a:schemeClr>
+          </a:lnRef>
+          <a:fillRef idx="1">
+            <a:schemeClr val="accent1"/>
+          </a:fillRef>
+          <a:effectRef idx="0">
+            <a:schemeClr val="accent1"/>
+          </a:effectRef>
+          <a:fontRef idx="minor">
+            <a:schemeClr val="lt1"/>
+          </a:fontRef>
+        </p:style>
+        <p:txBody>
+          <a:bodyPr rtlCol="0" anchor="ctr"/>
+          <a:lstStyle/>
+          <a:p>
+            <a:pPr algn="ctr"/>
+            <a:r>
+              <a:rPr lang="en-US" b="1" dirty="0">
+                <a:solidFill>
+                  <a:schemeClr val="tx1"/>
+                </a:solidFill>
+              </a:rPr>
+              <a:t>Team Member </a:t>
+            </a:r>
+            <a:r>
+              <a:rPr lang="en-US" b="1" dirty="0" smtClean="0">
+                <a:solidFill>
+                  <a:schemeClr val="tx1"/>
+                </a:solidFill>
+              </a:rPr>
+              <a:t>2</a:t>
+            </a:r>
+            <a:endParaRPr lang="en-US" b="1" dirty="0">
+              <a:solidFill>
+                <a:schemeClr val="tx1"/>
+              </a:solidFill>
+            </a:endParaRPr>
+          </a:p>
+        </p:txBody>
+      </p:sp>
+      <p:sp>
+        <p:nvSpPr>
+          <p:cNvPr id="8" name="Oval 7"/>
+          <p:cNvSpPr/>
+          <p:nvPr/>
+        </p:nvSpPr>
+        <p:spPr>
+          <a:xfrm>
+            <a:off x="6705600" y="4648200"/>
+            <a:ext cx="1447800" cy="1143000"/>
+          </a:xfrm>
+          <a:prstGeom prst="ellipse">
+            <a:avLst/>
+          </a:prstGeom>
+          <a:solidFill>
+            <a:schemeClr val="bg1"/>
+          </a:solidFill>
+          <a:ln>
+            <a:solidFill>
+              <a:schemeClr val="bg2"/>
+            </a:solidFill>
+          </a:ln>
+        </p:spPr>
+        <p:style>
+          <a:lnRef idx="2">
+            <a:schemeClr val="accent1">
+              <a:shade val="50000"/>
+            </a:schemeClr>
+          </a:lnRef>
+          <a:fillRef idx="1">
+            <a:schemeClr val="accent1"/>
+          </a:fillRef>
+          <a:effectRef idx="0">
+            <a:schemeClr val="accent1"/>
+          </a:effectRef>
+          <a:fontRef idx="minor">
+            <a:schemeClr val="lt1"/>
+          </a:fontRef>
+        </p:style>
+        <p:txBody>
+          <a:bodyPr rtlCol="0" anchor="ctr"/>
+          <a:lstStyle/>
+          <a:p>
+            <a:pPr algn="ctr"/>
+            <a:r>
+              <a:rPr lang="en-US" b="1" dirty="0">
+                <a:solidFill>
+                  <a:schemeClr val="tx1"/>
+                </a:solidFill>
+              </a:rPr>
+              <a:t>Team Member 3</a:t>
+            </a:r>
+            <a:endParaRPr lang="en-US" b="1" dirty="0">
+              <a:solidFill>
+                <a:schemeClr val="tx1"/>
+              </a:solidFill>
+            </a:endParaRPr>
+          </a:p>
+        </p:txBody>
+      </p:sp>
+      <p:sp>
+        <p:nvSpPr>
+          <p:cNvPr id="9" name="Oval 8"/>
+          <p:cNvSpPr/>
+          <p:nvPr/>
+        </p:nvSpPr>
+        <p:spPr>
+          <a:xfrm>
+            <a:off x="7315200" y="1752600"/>
+            <a:ext cx="1447800" cy="1143000"/>
+          </a:xfrm>
+          <a:prstGeom prst="ellipse">
+            <a:avLst/>
+          </a:prstGeom>
+          <a:solidFill>
+            <a:schemeClr val="bg1"/>
+          </a:solidFill>
+          <a:ln>
+            <a:solidFill>
+              <a:schemeClr val="bg2"/>
+            </a:solidFill>
+          </a:ln>
+        </p:spPr>
+        <p:style>
+          <a:lnRef idx="2">
+            <a:schemeClr val="accent1">
+              <a:shade val="50000"/>
+            </a:schemeClr>
+          </a:lnRef>
+          <a:fillRef idx="1">
+            <a:schemeClr val="accent1"/>
+          </a:fillRef>
+          <a:effectRef idx="0">
+            <a:schemeClr val="accent1"/>
+          </a:effectRef>
+          <a:fontRef idx="minor">
+            <a:schemeClr val="lt1"/>
+          </a:fontRef>
+        </p:style>
+        <p:txBody>
+          <a:bodyPr rtlCol="0" anchor="ctr"/>
+          <a:lstStyle/>
+          <a:p>
+            <a:pPr algn="ctr"/>
+            <a:r>
+              <a:rPr lang="en-US" b="1" dirty="0">
+                <a:solidFill>
+                  <a:schemeClr val="tx1"/>
+                </a:solidFill>
+              </a:rPr>
+              <a:t>Team Member </a:t>
+            </a:r>
+            <a:r>
+              <a:rPr lang="en-US" b="1" dirty="0" smtClean="0">
+                <a:solidFill>
+                  <a:schemeClr val="tx1"/>
+                </a:solidFill>
+              </a:rPr>
+              <a:t>4</a:t>
+            </a:r>
+            <a:endParaRPr lang="en-US" b="1" dirty="0">
+              <a:solidFill>
+                <a:schemeClr val="tx1"/>
+              </a:solidFill>
+            </a:endParaRPr>
+          </a:p>
+        </p:txBody>
+      </p:sp>
+      <p:cxnSp>
+        <p:nvCxnSpPr>
+          <p:cNvPr id="11" name="Straight Connector 10"/>
+          <p:cNvCxnSpPr>
+            <a:endCxn id="4" idx="1"/>
+          </p:cNvCxnSpPr>
+          <p:nvPr/>
+        </p:nvCxnSpPr>
+        <p:spPr>
+          <a:xfrm>
+            <a:off x="2514600" y="2781300"/>
+            <a:ext cx="1371600" cy="647700"/>
+          </a:xfrm>
+          <a:prstGeom prst="line">
+            <a:avLst/>
+          </a:prstGeom>
+          <a:ln>
+            <a:solidFill>
+              <a:schemeClr val="bg2"/>
+            </a:solidFill>
+          </a:ln>
+        </p:spPr>
+        <p:style>
+          <a:lnRef idx="1">
+            <a:schemeClr val="accent1"/>
+          </a:lnRef>
+          <a:fillRef idx="0">
+            <a:schemeClr val="accent1"/>
+          </a:fillRef>
+          <a:effectRef idx="0">
+            <a:schemeClr val="accent1"/>
+          </a:effectRef>
+          <a:fontRef idx="minor">
+            <a:schemeClr val="tx1"/>
+          </a:fontRef>
+        </p:style>
+      </p:cxnSp>
+      <p:cxnSp>
+        <p:nvCxnSpPr>
+          <p:cNvPr id="12" name="Straight Connector 11"/>
+          <p:cNvCxnSpPr/>
+          <p:nvPr/>
+        </p:nvCxnSpPr>
+        <p:spPr>
+          <a:xfrm>
+            <a:off x="5791200" y="3962400"/>
+            <a:ext cx="1371600" cy="647700"/>
+          </a:xfrm>
+          <a:prstGeom prst="line">
+            <a:avLst/>
+          </a:prstGeom>
+          <a:ln>
+            <a:solidFill>
+              <a:schemeClr val="bg2"/>
+            </a:solidFill>
+          </a:ln>
+        </p:spPr>
+        <p:style>
+          <a:lnRef idx="1">
+            <a:schemeClr val="accent1"/>
+          </a:lnRef>
+          <a:fillRef idx="0">
+            <a:schemeClr val="accent1"/>
+          </a:fillRef>
+          <a:effectRef idx="0">
+            <a:schemeClr val="accent1"/>
+          </a:effectRef>
+          <a:fontRef idx="minor">
+            <a:schemeClr val="tx1"/>
+          </a:fontRef>
+        </p:style>
+      </p:cxnSp>
+      <p:cxnSp>
+        <p:nvCxnSpPr>
+          <p:cNvPr id="13" name="Straight Connector 12"/>
+          <p:cNvCxnSpPr>
+            <a:stCxn id="7" idx="6"/>
+          </p:cNvCxnSpPr>
+          <p:nvPr/>
+        </p:nvCxnSpPr>
+        <p:spPr>
+          <a:xfrm flipV="1">
+            <a:off x="2743200" y="3962400"/>
+            <a:ext cx="1600200" cy="1409700"/>
+          </a:xfrm>
+          <a:prstGeom prst="line">
+            <a:avLst/>
+          </a:prstGeom>
+          <a:ln>
+            <a:solidFill>
+              <a:schemeClr val="bg2"/>
+            </a:solidFill>
+          </a:ln>
+        </p:spPr>
+        <p:style>
+          <a:lnRef idx="1">
+            <a:schemeClr val="accent1"/>
+          </a:lnRef>
+          <a:fillRef idx="0">
+            <a:schemeClr val="accent1"/>
+          </a:fillRef>
+          <a:effectRef idx="0">
+            <a:schemeClr val="accent1"/>
+          </a:effectRef>
+          <a:fontRef idx="minor">
+            <a:schemeClr val="tx1"/>
+          </a:fontRef>
+        </p:style>
+      </p:cxnSp>
+      <p:cxnSp>
+        <p:nvCxnSpPr>
+          <p:cNvPr id="16" name="Straight Connector 15"/>
+          <p:cNvCxnSpPr/>
+          <p:nvPr/>
+        </p:nvCxnSpPr>
+        <p:spPr>
+          <a:xfrm flipV="1">
+            <a:off x="6096000" y="2324100"/>
+            <a:ext cx="1600200" cy="1409700"/>
+          </a:xfrm>
+          <a:prstGeom prst="line">
+            <a:avLst/>
+          </a:prstGeom>
+          <a:ln>
+            <a:solidFill>
+              <a:schemeClr val="bg2"/>
+            </a:solidFill>
+          </a:ln>
+        </p:spPr>
+        <p:style>
+          <a:lnRef idx="1">
+            <a:schemeClr val="accent1"/>
+          </a:lnRef>
+          <a:fillRef idx="0">
+            <a:schemeClr val="accent1"/>
+          </a:fillRef>
+          <a:effectRef idx="0">
+            <a:schemeClr val="accent1"/>
+          </a:effectRef>
+          <a:fontRef idx="minor">
+            <a:schemeClr val="tx1"/>
+          </a:fontRef>
+        </p:style>
+      </p:cxnSp>
+    </p:spTree>
+    <p:extLst>
+      <p:ext uri="{BB962C8B-B14F-4D97-AF65-F5344CB8AC3E}">
+        <p14:creationId xmlns:p14="http://schemas.microsoft.com/office/powerpoint/2010/main" val="711370464"/>
+      </p:ext>
+    </p:extLst>
+  </p:cSld>
+  <p:clrMapOvr>
+    <a:masterClrMapping/>
+  </p:clrMapOvr>
+  <p:timing>
+    <p:tnLst>
+      <p:par>
+        <p:cTn id="1" dur="indefinite" restart="never" nodeType="tmRoot"/>
+      </p:par>
+    </p:tnLst>
+  </p:timing>
+</p:sld>
+</file>
+
+<file path=ppt/slides/slide16.xml><?xml version="1.0" encoding="utf-8"?>
+<p:sld xmlns:a="http://schemas.openxmlformats.org/drawingml/2006/main" xmlns:r="http://schemas.openxmlformats.org/officeDocument/2006/relationships" xmlns:p="http://schemas.openxmlformats.org/presentationml/2006/main">
+  <p:cSld>
+    <p:spTree>
+      <p:nvGrpSpPr>
+        <p:cNvPr id="1" name=""/>
+        <p:cNvGrpSpPr/>
+        <p:nvPr/>
+      </p:nvGrpSpPr>
+      <p:grpSpPr>
+        <a:xfrm>
+          <a:off x="0" y="0"/>
+          <a:ext cx="0" cy="0"/>
+          <a:chOff x="0" y="0"/>
+          <a:chExt cx="0" cy="0"/>
+        </a:xfrm>
+      </p:grpSpPr>
+      <p:sp>
+        <p:nvSpPr>
+          <p:cNvPr id="2" name="Title 1"/>
+          <p:cNvSpPr>
+            <a:spLocks noGrp="1"/>
+          </p:cNvSpPr>
+          <p:nvPr>
+            <p:ph type="title"/>
+          </p:nvPr>
+        </p:nvSpPr>
+        <p:spPr/>
+        <p:txBody>
+          <a:bodyPr/>
+          <a:lstStyle/>
+          <a:p>
+            <a:r>
+              <a:rPr lang="en-US" dirty="0" smtClean="0">
+                <a:solidFill>
+                  <a:schemeClr val="bg1"/>
+                </a:solidFill>
+              </a:rPr>
+              <a:t>Branches</a:t>
+            </a:r>
+            <a:endParaRPr lang="en-US" dirty="0">
+              <a:solidFill>
+                <a:schemeClr val="bg1"/>
+              </a:solidFill>
+            </a:endParaRPr>
+          </a:p>
+        </p:txBody>
+      </p:sp>
+      <p:sp>
+        <p:nvSpPr>
+          <p:cNvPr id="3" name="Content Placeholder 2"/>
+          <p:cNvSpPr>
+            <a:spLocks noGrp="1"/>
+          </p:cNvSpPr>
+          <p:nvPr>
+            <p:ph idx="1"/>
+          </p:nvPr>
+        </p:nvSpPr>
+        <p:spPr>
+          <a:xfrm>
+            <a:off x="457200" y="1600200"/>
+            <a:ext cx="8686800" cy="4525963"/>
+          </a:xfrm>
+        </p:spPr>
+        <p:txBody>
+          <a:bodyPr>
+            <a:normAutofit/>
+          </a:bodyPr>
+          <a:lstStyle/>
+          <a:p>
+            <a:pPr marL="914400" lvl="2" indent="0">
+              <a:buNone/>
+            </a:pPr>
+            <a:endParaRPr lang="en-US" sz="1600" b="1" dirty="0" smtClean="0">
+              <a:solidFill>
+                <a:schemeClr val="bg1"/>
+              </a:solidFill>
+              <a:latin typeface="Times New Roman" pitchFamily="18" charset="0"/>
+              <a:cs typeface="Times New Roman" pitchFamily="18" charset="0"/>
+            </a:endParaRPr>
+          </a:p>
+        </p:txBody>
+      </p:sp>
+      <p:pic>
+        <p:nvPicPr>
+          <p:cNvPr id="5" name="Picture 4"/>
+          <p:cNvPicPr>
+            <a:picLocks noChangeAspect="1"/>
+          </p:cNvPicPr>
+          <p:nvPr/>
+        </p:nvPicPr>
+        <p:blipFill rotWithShape="1">
+          <a:blip r:embed="rId2">
+            <a:extLst>
+              <a:ext uri="{28A0092B-C50C-407E-A947-70E740481C1C}">
+                <a14:useLocalDpi xmlns:a14="http://schemas.microsoft.com/office/drawing/2010/main" val="0"/>
+              </a:ext>
+            </a:extLst>
+          </a:blip>
+          <a:srcRect t="34800" b="40400"/>
+          <a:stretch/>
+        </p:blipFill>
+        <p:spPr>
+          <a:xfrm>
+            <a:off x="7162800" y="7925"/>
+            <a:ext cx="1981200" cy="491338"/>
+          </a:xfrm>
+          <a:prstGeom prst="rect">
+            <a:avLst/>
+          </a:prstGeom>
+        </p:spPr>
+      </p:pic>
+      <p:sp>
+        <p:nvSpPr>
+          <p:cNvPr id="4" name="Rectangle 3"/>
+          <p:cNvSpPr/>
+          <p:nvPr/>
+        </p:nvSpPr>
+        <p:spPr>
+          <a:xfrm>
+            <a:off x="3886200" y="2895600"/>
+            <a:ext cx="2286000" cy="1066800"/>
+          </a:xfrm>
+          <a:prstGeom prst="rect">
+            <a:avLst/>
+          </a:prstGeom>
+          <a:solidFill>
+            <a:schemeClr val="bg1"/>
+          </a:solidFill>
+          <a:ln>
+            <a:solidFill>
+              <a:schemeClr val="bg2"/>
+            </a:solidFill>
+          </a:ln>
+        </p:spPr>
+        <p:style>
+          <a:lnRef idx="2">
+            <a:schemeClr val="accent1">
+              <a:shade val="50000"/>
+            </a:schemeClr>
+          </a:lnRef>
+          <a:fillRef idx="1">
+            <a:schemeClr val="accent1"/>
+          </a:fillRef>
+          <a:effectRef idx="0">
+            <a:schemeClr val="accent1"/>
+          </a:effectRef>
+          <a:fontRef idx="minor">
+            <a:schemeClr val="lt1"/>
+          </a:fontRef>
+        </p:style>
+        <p:txBody>
+          <a:bodyPr rtlCol="0" anchor="ctr"/>
+          <a:lstStyle/>
+          <a:p>
+            <a:pPr algn="ctr"/>
+            <a:r>
+              <a:rPr lang="en-US" b="1" dirty="0" smtClean="0">
+                <a:solidFill>
+                  <a:schemeClr val="tx1"/>
+                </a:solidFill>
+              </a:rPr>
+              <a:t>Master/Main Branch for Merge all modules</a:t>
+            </a:r>
+            <a:endParaRPr lang="en-US" b="1" dirty="0">
+              <a:solidFill>
+                <a:schemeClr val="tx1"/>
+              </a:solidFill>
+            </a:endParaRPr>
+          </a:p>
+        </p:txBody>
+      </p:sp>
+      <p:sp>
+        <p:nvSpPr>
+          <p:cNvPr id="6" name="Oval 5"/>
+          <p:cNvSpPr/>
+          <p:nvPr/>
+        </p:nvSpPr>
+        <p:spPr>
+          <a:xfrm>
+            <a:off x="1066800" y="2209800"/>
+            <a:ext cx="1447800" cy="1143000"/>
+          </a:xfrm>
+          <a:prstGeom prst="ellipse">
+            <a:avLst/>
+          </a:prstGeom>
+          <a:solidFill>
+            <a:schemeClr val="bg1"/>
+          </a:solidFill>
+          <a:ln>
+            <a:solidFill>
+              <a:schemeClr val="bg2"/>
+            </a:solidFill>
+          </a:ln>
+        </p:spPr>
+        <p:style>
+          <a:lnRef idx="2">
+            <a:schemeClr val="accent1">
+              <a:shade val="50000"/>
+            </a:schemeClr>
+          </a:lnRef>
+          <a:fillRef idx="1">
+            <a:schemeClr val="accent1"/>
+          </a:fillRef>
+          <a:effectRef idx="0">
+            <a:schemeClr val="accent1"/>
+          </a:effectRef>
+          <a:fontRef idx="minor">
+            <a:schemeClr val="lt1"/>
+          </a:fontRef>
+        </p:style>
+        <p:txBody>
+          <a:bodyPr rtlCol="0" anchor="ctr"/>
+          <a:lstStyle/>
+          <a:p>
+            <a:pPr algn="ctr"/>
+            <a:r>
+              <a:rPr lang="en-US" b="1" dirty="0" smtClean="0">
+                <a:solidFill>
+                  <a:schemeClr val="tx1"/>
+                </a:solidFill>
+              </a:rPr>
+              <a:t>Feature Branch 1</a:t>
+            </a:r>
+            <a:endParaRPr lang="en-US" b="1" dirty="0">
+              <a:solidFill>
+                <a:schemeClr val="tx1"/>
+              </a:solidFill>
+            </a:endParaRPr>
+          </a:p>
+        </p:txBody>
+      </p:sp>
+      <p:sp>
+        <p:nvSpPr>
+          <p:cNvPr id="7" name="Oval 6"/>
+          <p:cNvSpPr/>
+          <p:nvPr/>
+        </p:nvSpPr>
+        <p:spPr>
+          <a:xfrm>
+            <a:off x="1295400" y="4800600"/>
+            <a:ext cx="1447800" cy="1143000"/>
+          </a:xfrm>
+          <a:prstGeom prst="ellipse">
+            <a:avLst/>
+          </a:prstGeom>
+          <a:solidFill>
+            <a:schemeClr val="bg1"/>
+          </a:solidFill>
+          <a:ln>
+            <a:solidFill>
+              <a:schemeClr val="bg2"/>
+            </a:solidFill>
+          </a:ln>
+        </p:spPr>
+        <p:style>
+          <a:lnRef idx="2">
+            <a:schemeClr val="accent1">
+              <a:shade val="50000"/>
+            </a:schemeClr>
+          </a:lnRef>
+          <a:fillRef idx="1">
+            <a:schemeClr val="accent1"/>
+          </a:fillRef>
+          <a:effectRef idx="0">
+            <a:schemeClr val="accent1"/>
+          </a:effectRef>
+          <a:fontRef idx="minor">
+            <a:schemeClr val="lt1"/>
+          </a:fontRef>
+        </p:style>
+        <p:txBody>
+          <a:bodyPr rtlCol="0" anchor="ctr"/>
+          <a:lstStyle/>
+          <a:p>
+            <a:pPr algn="ctr"/>
+            <a:r>
+              <a:rPr lang="en-US" b="1" dirty="0">
+                <a:solidFill>
+                  <a:schemeClr val="tx1"/>
+                </a:solidFill>
+              </a:rPr>
+              <a:t>Feature Branch </a:t>
+            </a:r>
+            <a:r>
+              <a:rPr lang="en-US" b="1" dirty="0" smtClean="0">
+                <a:solidFill>
+                  <a:schemeClr val="tx1"/>
+                </a:solidFill>
+              </a:rPr>
+              <a:t>2</a:t>
+            </a:r>
+            <a:endParaRPr lang="en-US" b="1" dirty="0">
+              <a:solidFill>
+                <a:schemeClr val="tx1"/>
+              </a:solidFill>
+            </a:endParaRPr>
+          </a:p>
+        </p:txBody>
+      </p:sp>
+      <p:sp>
+        <p:nvSpPr>
+          <p:cNvPr id="8" name="Oval 7"/>
+          <p:cNvSpPr/>
+          <p:nvPr/>
+        </p:nvSpPr>
+        <p:spPr>
+          <a:xfrm>
+            <a:off x="6705600" y="4648200"/>
+            <a:ext cx="1447800" cy="1143000"/>
+          </a:xfrm>
+          <a:prstGeom prst="ellipse">
+            <a:avLst/>
+          </a:prstGeom>
+          <a:solidFill>
+            <a:schemeClr val="bg1"/>
+          </a:solidFill>
+          <a:ln>
+            <a:solidFill>
+              <a:schemeClr val="bg2"/>
+            </a:solidFill>
+          </a:ln>
+        </p:spPr>
+        <p:style>
+          <a:lnRef idx="2">
+            <a:schemeClr val="accent1">
+              <a:shade val="50000"/>
+            </a:schemeClr>
+          </a:lnRef>
+          <a:fillRef idx="1">
+            <a:schemeClr val="accent1"/>
+          </a:fillRef>
+          <a:effectRef idx="0">
+            <a:schemeClr val="accent1"/>
+          </a:effectRef>
+          <a:fontRef idx="minor">
+            <a:schemeClr val="lt1"/>
+          </a:fontRef>
+        </p:style>
+        <p:txBody>
+          <a:bodyPr rtlCol="0" anchor="ctr"/>
+          <a:lstStyle/>
+          <a:p>
+            <a:pPr algn="ctr"/>
+            <a:r>
+              <a:rPr lang="en-US" b="1" dirty="0">
+                <a:solidFill>
+                  <a:schemeClr val="tx1"/>
+                </a:solidFill>
+              </a:rPr>
+              <a:t>Feature Branch </a:t>
+            </a:r>
+            <a:r>
+              <a:rPr lang="en-US" b="1" dirty="0" smtClean="0">
+                <a:solidFill>
+                  <a:schemeClr val="tx1"/>
+                </a:solidFill>
+              </a:rPr>
+              <a:t>3</a:t>
+            </a:r>
+            <a:endParaRPr lang="en-US" b="1" dirty="0">
+              <a:solidFill>
+                <a:schemeClr val="tx1"/>
+              </a:solidFill>
+            </a:endParaRPr>
+          </a:p>
+        </p:txBody>
+      </p:sp>
+      <p:sp>
+        <p:nvSpPr>
+          <p:cNvPr id="9" name="Oval 8"/>
+          <p:cNvSpPr/>
+          <p:nvPr/>
+        </p:nvSpPr>
+        <p:spPr>
+          <a:xfrm>
+            <a:off x="7315200" y="1752600"/>
+            <a:ext cx="1447800" cy="1143000"/>
+          </a:xfrm>
+          <a:prstGeom prst="ellipse">
+            <a:avLst/>
+          </a:prstGeom>
+          <a:solidFill>
+            <a:schemeClr val="bg1"/>
+          </a:solidFill>
+          <a:ln>
+            <a:solidFill>
+              <a:schemeClr val="bg2"/>
+            </a:solidFill>
+          </a:ln>
+        </p:spPr>
+        <p:style>
+          <a:lnRef idx="2">
+            <a:schemeClr val="accent1">
+              <a:shade val="50000"/>
+            </a:schemeClr>
+          </a:lnRef>
+          <a:fillRef idx="1">
+            <a:schemeClr val="accent1"/>
+          </a:fillRef>
+          <a:effectRef idx="0">
+            <a:schemeClr val="accent1"/>
+          </a:effectRef>
+          <a:fontRef idx="minor">
+            <a:schemeClr val="lt1"/>
+          </a:fontRef>
+        </p:style>
+        <p:txBody>
+          <a:bodyPr rtlCol="0" anchor="ctr"/>
+          <a:lstStyle/>
+          <a:p>
+            <a:pPr algn="ctr"/>
+            <a:r>
+              <a:rPr lang="en-US" b="1" dirty="0">
+                <a:solidFill>
+                  <a:schemeClr val="tx1"/>
+                </a:solidFill>
+              </a:rPr>
+              <a:t>Feature Branch </a:t>
+            </a:r>
+            <a:r>
+              <a:rPr lang="en-US" b="1" dirty="0" smtClean="0">
+                <a:solidFill>
+                  <a:schemeClr val="tx1"/>
+                </a:solidFill>
+              </a:rPr>
+              <a:t>4</a:t>
+            </a:r>
+            <a:endParaRPr lang="en-US" b="1" dirty="0">
+              <a:solidFill>
+                <a:schemeClr val="tx1"/>
+              </a:solidFill>
+            </a:endParaRPr>
+          </a:p>
+        </p:txBody>
+      </p:sp>
+      <p:cxnSp>
+        <p:nvCxnSpPr>
+          <p:cNvPr id="11" name="Straight Connector 10"/>
+          <p:cNvCxnSpPr>
+            <a:endCxn id="4" idx="1"/>
+          </p:cNvCxnSpPr>
+          <p:nvPr/>
+        </p:nvCxnSpPr>
+        <p:spPr>
+          <a:xfrm>
+            <a:off x="2514600" y="2781300"/>
+            <a:ext cx="1371600" cy="647700"/>
+          </a:xfrm>
+          <a:prstGeom prst="line">
+            <a:avLst/>
+          </a:prstGeom>
+          <a:ln>
+            <a:solidFill>
+              <a:schemeClr val="bg2"/>
+            </a:solidFill>
+          </a:ln>
+        </p:spPr>
+        <p:style>
+          <a:lnRef idx="1">
+            <a:schemeClr val="accent1"/>
+          </a:lnRef>
+          <a:fillRef idx="0">
+            <a:schemeClr val="accent1"/>
+          </a:fillRef>
+          <a:effectRef idx="0">
+            <a:schemeClr val="accent1"/>
+          </a:effectRef>
+          <a:fontRef idx="minor">
+            <a:schemeClr val="tx1"/>
+          </a:fontRef>
+        </p:style>
+      </p:cxnSp>
+      <p:cxnSp>
+        <p:nvCxnSpPr>
+          <p:cNvPr id="12" name="Straight Connector 11"/>
+          <p:cNvCxnSpPr/>
+          <p:nvPr/>
+        </p:nvCxnSpPr>
+        <p:spPr>
+          <a:xfrm>
+            <a:off x="5791200" y="3962400"/>
+            <a:ext cx="1371600" cy="647700"/>
+          </a:xfrm>
+          <a:prstGeom prst="line">
+            <a:avLst/>
+          </a:prstGeom>
+          <a:ln>
+            <a:solidFill>
+              <a:schemeClr val="bg2"/>
+            </a:solidFill>
+          </a:ln>
+        </p:spPr>
+        <p:style>
+          <a:lnRef idx="1">
+            <a:schemeClr val="accent1"/>
+          </a:lnRef>
+          <a:fillRef idx="0">
+            <a:schemeClr val="accent1"/>
+          </a:fillRef>
+          <a:effectRef idx="0">
+            <a:schemeClr val="accent1"/>
+          </a:effectRef>
+          <a:fontRef idx="minor">
+            <a:schemeClr val="tx1"/>
+          </a:fontRef>
+        </p:style>
+      </p:cxnSp>
+      <p:cxnSp>
+        <p:nvCxnSpPr>
+          <p:cNvPr id="13" name="Straight Connector 12"/>
+          <p:cNvCxnSpPr>
+            <a:stCxn id="7" idx="6"/>
+          </p:cNvCxnSpPr>
+          <p:nvPr/>
+        </p:nvCxnSpPr>
+        <p:spPr>
+          <a:xfrm flipV="1">
+            <a:off x="2743200" y="3962400"/>
+            <a:ext cx="1600200" cy="1409700"/>
+          </a:xfrm>
+          <a:prstGeom prst="line">
+            <a:avLst/>
+          </a:prstGeom>
+          <a:ln>
+            <a:solidFill>
+              <a:schemeClr val="bg2"/>
+            </a:solidFill>
+          </a:ln>
+        </p:spPr>
+        <p:style>
+          <a:lnRef idx="1">
+            <a:schemeClr val="accent1"/>
+          </a:lnRef>
+          <a:fillRef idx="0">
+            <a:schemeClr val="accent1"/>
+          </a:fillRef>
+          <a:effectRef idx="0">
+            <a:schemeClr val="accent1"/>
+          </a:effectRef>
+          <a:fontRef idx="minor">
+            <a:schemeClr val="tx1"/>
+          </a:fontRef>
+        </p:style>
+      </p:cxnSp>
+      <p:cxnSp>
+        <p:nvCxnSpPr>
+          <p:cNvPr id="16" name="Straight Connector 15"/>
+          <p:cNvCxnSpPr/>
+          <p:nvPr/>
+        </p:nvCxnSpPr>
+        <p:spPr>
+          <a:xfrm flipV="1">
+            <a:off x="6096000" y="2324100"/>
+            <a:ext cx="1600200" cy="1409700"/>
+          </a:xfrm>
+          <a:prstGeom prst="line">
+            <a:avLst/>
+          </a:prstGeom>
+          <a:ln>
+            <a:solidFill>
+              <a:schemeClr val="bg2"/>
+            </a:solidFill>
+          </a:ln>
+        </p:spPr>
+        <p:style>
+          <a:lnRef idx="1">
+            <a:schemeClr val="accent1"/>
+          </a:lnRef>
+          <a:fillRef idx="0">
+            <a:schemeClr val="accent1"/>
+          </a:fillRef>
+          <a:effectRef idx="0">
+            <a:schemeClr val="accent1"/>
+          </a:effectRef>
+          <a:fontRef idx="minor">
+            <a:schemeClr val="tx1"/>
+          </a:fontRef>
+        </p:style>
+      </p:cxnSp>
+      <p:sp>
+        <p:nvSpPr>
+          <p:cNvPr id="10" name="Right Brace 9"/>
+          <p:cNvSpPr/>
+          <p:nvPr/>
+        </p:nvSpPr>
+        <p:spPr>
+          <a:xfrm>
+            <a:off x="2286000" y="1981200"/>
+            <a:ext cx="1371600" cy="800100"/>
+          </a:xfrm>
+          <a:prstGeom prst="rightBrace">
+            <a:avLst/>
+          </a:prstGeom>
+          <a:ln w="38100">
+            <a:solidFill>
+              <a:srgbClr val="FFFF00"/>
+            </a:solidFill>
+          </a:ln>
+        </p:spPr>
+        <p:style>
+          <a:lnRef idx="1">
+            <a:schemeClr val="accent1"/>
+          </a:lnRef>
+          <a:fillRef idx="0">
+            <a:schemeClr val="accent1"/>
+          </a:fillRef>
+          <a:effectRef idx="0">
+            <a:schemeClr val="accent1"/>
+          </a:effectRef>
+          <a:fontRef idx="minor">
+            <a:schemeClr val="tx1"/>
+          </a:fontRef>
+        </p:style>
+        <p:txBody>
+          <a:bodyPr rtlCol="0" anchor="ctr"/>
+          <a:lstStyle/>
+          <a:p>
+            <a:pPr algn="ctr"/>
+            <a:endParaRPr lang="en-US">
+              <a:solidFill>
+                <a:srgbClr val="92D050"/>
+              </a:solidFill>
+            </a:endParaRPr>
+          </a:p>
+        </p:txBody>
+      </p:sp>
+      <p:sp>
+        <p:nvSpPr>
+          <p:cNvPr id="15" name="Rectangle 14"/>
+          <p:cNvSpPr/>
+          <p:nvPr/>
+        </p:nvSpPr>
+        <p:spPr>
+          <a:xfrm>
+            <a:off x="3678936" y="1962912"/>
+            <a:ext cx="1648968" cy="666750"/>
+          </a:xfrm>
+          <a:prstGeom prst="rect">
+            <a:avLst/>
+          </a:prstGeom>
+          <a:solidFill>
+            <a:schemeClr val="bg1"/>
+          </a:solidFill>
+          <a:ln>
+            <a:solidFill>
+              <a:schemeClr val="bg2"/>
+            </a:solidFill>
+          </a:ln>
+        </p:spPr>
+        <p:style>
+          <a:lnRef idx="2">
+            <a:schemeClr val="accent1">
+              <a:shade val="50000"/>
+            </a:schemeClr>
+          </a:lnRef>
+          <a:fillRef idx="1">
+            <a:schemeClr val="accent1"/>
+          </a:fillRef>
+          <a:effectRef idx="0">
+            <a:schemeClr val="accent1"/>
+          </a:effectRef>
+          <a:fontRef idx="minor">
+            <a:schemeClr val="lt1"/>
+          </a:fontRef>
+        </p:style>
+        <p:txBody>
+          <a:bodyPr rtlCol="0" anchor="ctr"/>
+          <a:lstStyle/>
+          <a:p>
+            <a:pPr algn="ctr"/>
+            <a:r>
+              <a:rPr lang="en-US" b="1" dirty="0" smtClean="0">
+                <a:solidFill>
+                  <a:schemeClr val="tx1"/>
+                </a:solidFill>
+              </a:rPr>
+              <a:t>Module 1</a:t>
+            </a:r>
+            <a:endParaRPr lang="en-US" b="1" dirty="0">
+              <a:solidFill>
+                <a:schemeClr val="tx1"/>
+              </a:solidFill>
+            </a:endParaRPr>
+          </a:p>
+        </p:txBody>
+      </p:sp>
+      <p:sp>
+        <p:nvSpPr>
+          <p:cNvPr id="17" name="Right Brace 16"/>
+          <p:cNvSpPr/>
+          <p:nvPr/>
+        </p:nvSpPr>
+        <p:spPr>
+          <a:xfrm>
+            <a:off x="2749296" y="4974336"/>
+            <a:ext cx="1371600" cy="800100"/>
+          </a:xfrm>
+          <a:prstGeom prst="rightBrace">
+            <a:avLst/>
+          </a:prstGeom>
+          <a:ln w="38100">
+            <a:solidFill>
+              <a:srgbClr val="FFFF00"/>
+            </a:solidFill>
+          </a:ln>
+        </p:spPr>
+        <p:style>
+          <a:lnRef idx="1">
+            <a:schemeClr val="accent1"/>
+          </a:lnRef>
+          <a:fillRef idx="0">
+            <a:schemeClr val="accent1"/>
+          </a:fillRef>
+          <a:effectRef idx="0">
+            <a:schemeClr val="accent1"/>
+          </a:effectRef>
+          <a:fontRef idx="minor">
+            <a:schemeClr val="tx1"/>
+          </a:fontRef>
+        </p:style>
+        <p:txBody>
+          <a:bodyPr rtlCol="0" anchor="ctr"/>
+          <a:lstStyle/>
+          <a:p>
+            <a:pPr algn="ctr"/>
+            <a:endParaRPr lang="en-US">
+              <a:solidFill>
+                <a:srgbClr val="92D050"/>
+              </a:solidFill>
+            </a:endParaRPr>
+          </a:p>
+        </p:txBody>
+      </p:sp>
+      <p:sp>
+        <p:nvSpPr>
+          <p:cNvPr id="18" name="Rectangle 17"/>
+          <p:cNvSpPr/>
+          <p:nvPr/>
+        </p:nvSpPr>
+        <p:spPr>
+          <a:xfrm>
+            <a:off x="4142232" y="4956048"/>
+            <a:ext cx="1648968" cy="666750"/>
+          </a:xfrm>
+          <a:prstGeom prst="rect">
+            <a:avLst/>
+          </a:prstGeom>
+          <a:solidFill>
+            <a:schemeClr val="bg1"/>
+          </a:solidFill>
+          <a:ln>
+            <a:solidFill>
+              <a:schemeClr val="bg2"/>
+            </a:solidFill>
+          </a:ln>
+        </p:spPr>
+        <p:style>
+          <a:lnRef idx="2">
+            <a:schemeClr val="accent1">
+              <a:shade val="50000"/>
+            </a:schemeClr>
+          </a:lnRef>
+          <a:fillRef idx="1">
+            <a:schemeClr val="accent1"/>
+          </a:fillRef>
+          <a:effectRef idx="0">
+            <a:schemeClr val="accent1"/>
+          </a:effectRef>
+          <a:fontRef idx="minor">
+            <a:schemeClr val="lt1"/>
+          </a:fontRef>
+        </p:style>
+        <p:txBody>
+          <a:bodyPr rtlCol="0" anchor="ctr"/>
+          <a:lstStyle/>
+          <a:p>
+            <a:pPr algn="ctr"/>
+            <a:r>
+              <a:rPr lang="en-US" b="1" dirty="0" smtClean="0">
+                <a:solidFill>
+                  <a:schemeClr val="tx1"/>
+                </a:solidFill>
+              </a:rPr>
+              <a:t>Module 2</a:t>
+            </a:r>
+            <a:endParaRPr lang="en-US" b="1" dirty="0">
+              <a:solidFill>
+                <a:schemeClr val="tx1"/>
+              </a:solidFill>
+            </a:endParaRPr>
+          </a:p>
+        </p:txBody>
+      </p:sp>
+    </p:spTree>
+    <p:extLst>
+      <p:ext uri="{BB962C8B-B14F-4D97-AF65-F5344CB8AC3E}">
+        <p14:creationId xmlns:p14="http://schemas.microsoft.com/office/powerpoint/2010/main" val="3299296959"/>
+      </p:ext>
+    </p:extLst>
+  </p:cSld>
+  <p:clrMapOvr>
+    <a:masterClrMapping/>
+  </p:clrMapOvr>
+  <p:timing>
+    <p:tnLst>
+      <p:par>
+        <p:cTn id="1" dur="indefinite" restart="never" nodeType="tmRoot"/>
+      </p:par>
+    </p:tnLst>
+  </p:timing>
+</p:sld>
+</file>
+
+<file path=ppt/slides/slide17.xml><?xml version="1.0" encoding="utf-8"?>
+<p:sld xmlns:a="http://schemas.openxmlformats.org/drawingml/2006/main" xmlns:r="http://schemas.openxmlformats.org/officeDocument/2006/relationships" xmlns:p="http://schemas.openxmlformats.org/presentationml/2006/main">
+  <p:cSld>
+    <p:spTree>
+      <p:nvGrpSpPr>
+        <p:cNvPr id="1" name=""/>
+        <p:cNvGrpSpPr/>
+        <p:nvPr/>
+      </p:nvGrpSpPr>
+      <p:grpSpPr>
+        <a:xfrm>
+          <a:off x="0" y="0"/>
+          <a:ext cx="0" cy="0"/>
+          <a:chOff x="0" y="0"/>
+          <a:chExt cx="0" cy="0"/>
+        </a:xfrm>
+      </p:grpSpPr>
+      <p:sp>
+        <p:nvSpPr>
+          <p:cNvPr id="2" name="Title 1"/>
+          <p:cNvSpPr>
+            <a:spLocks noGrp="1"/>
+          </p:cNvSpPr>
+          <p:nvPr>
+            <p:ph type="title"/>
+          </p:nvPr>
+        </p:nvSpPr>
+        <p:spPr/>
+        <p:txBody>
+          <a:bodyPr/>
+          <a:lstStyle/>
+          <a:p>
+            <a:r>
+              <a:rPr lang="en-US" dirty="0" smtClean="0">
+                <a:solidFill>
+                  <a:schemeClr val="bg1"/>
+                </a:solidFill>
+              </a:rPr>
+              <a:t>Branches Command</a:t>
+            </a:r>
+            <a:endParaRPr lang="en-US" dirty="0">
+              <a:solidFill>
+                <a:schemeClr val="bg1"/>
+              </a:solidFill>
+            </a:endParaRPr>
+          </a:p>
+        </p:txBody>
+      </p:sp>
+      <p:sp>
+        <p:nvSpPr>
+          <p:cNvPr id="3" name="Content Placeholder 2"/>
+          <p:cNvSpPr>
+            <a:spLocks noGrp="1"/>
+          </p:cNvSpPr>
+          <p:nvPr>
+            <p:ph idx="1"/>
+          </p:nvPr>
+        </p:nvSpPr>
+        <p:spPr>
+          <a:xfrm>
+            <a:off x="457200" y="1600200"/>
+            <a:ext cx="8686800" cy="4525963"/>
+          </a:xfrm>
+        </p:spPr>
+        <p:txBody>
+          <a:bodyPr>
+            <a:normAutofit/>
+          </a:bodyPr>
+          <a:lstStyle/>
+          <a:p>
+            <a:pPr lvl="2">
+              <a:buFont typeface="Wingdings" pitchFamily="2" charset="2"/>
+              <a:buChar char="Ø"/>
+            </a:pPr>
+            <a:r>
+              <a:rPr lang="en-US" sz="2000" b="1" dirty="0" err="1">
+                <a:solidFill>
+                  <a:schemeClr val="bg1"/>
+                </a:solidFill>
+                <a:latin typeface="Times New Roman" pitchFamily="18" charset="0"/>
+                <a:cs typeface="Times New Roman" pitchFamily="18" charset="0"/>
+              </a:rPr>
+              <a:t>git</a:t>
+            </a:r>
+            <a:r>
+              <a:rPr lang="en-US" sz="2000" b="1" dirty="0">
+                <a:solidFill>
+                  <a:schemeClr val="bg1"/>
+                </a:solidFill>
+                <a:latin typeface="Times New Roman" pitchFamily="18" charset="0"/>
+                <a:cs typeface="Times New Roman" pitchFamily="18" charset="0"/>
+              </a:rPr>
+              <a:t> branch –a : To list all branches in your </a:t>
+            </a:r>
+            <a:r>
+              <a:rPr lang="en-US" sz="2000" b="1" dirty="0" smtClean="0">
+                <a:solidFill>
+                  <a:schemeClr val="bg1"/>
+                </a:solidFill>
+                <a:latin typeface="Times New Roman" pitchFamily="18" charset="0"/>
+                <a:cs typeface="Times New Roman" pitchFamily="18" charset="0"/>
+              </a:rPr>
+              <a:t>repository</a:t>
+            </a:r>
+          </a:p>
+          <a:p>
+            <a:pPr lvl="2">
+              <a:buFont typeface="Wingdings" pitchFamily="2" charset="2"/>
+              <a:buChar char="Ø"/>
+            </a:pPr>
+            <a:r>
+              <a:rPr lang="en-US" sz="2000" b="1" dirty="0" err="1">
+                <a:solidFill>
+                  <a:schemeClr val="bg1"/>
+                </a:solidFill>
+                <a:latin typeface="Times New Roman" pitchFamily="18" charset="0"/>
+                <a:cs typeface="Times New Roman" pitchFamily="18" charset="0"/>
+              </a:rPr>
+              <a:t>git</a:t>
+            </a:r>
+            <a:r>
+              <a:rPr lang="en-US" sz="2000" b="1" dirty="0">
+                <a:solidFill>
+                  <a:schemeClr val="bg1"/>
+                </a:solidFill>
+                <a:latin typeface="Times New Roman" pitchFamily="18" charset="0"/>
+                <a:cs typeface="Times New Roman" pitchFamily="18" charset="0"/>
+              </a:rPr>
+              <a:t> branch &lt;</a:t>
+            </a:r>
+            <a:r>
+              <a:rPr lang="en-US" sz="2000" b="1" dirty="0" err="1">
+                <a:solidFill>
+                  <a:schemeClr val="bg1"/>
+                </a:solidFill>
+                <a:latin typeface="Times New Roman" pitchFamily="18" charset="0"/>
+                <a:cs typeface="Times New Roman" pitchFamily="18" charset="0"/>
+              </a:rPr>
+              <a:t>branch_name</a:t>
+            </a:r>
+            <a:r>
+              <a:rPr lang="en-US" sz="2000" b="1" dirty="0">
+                <a:solidFill>
+                  <a:schemeClr val="bg1"/>
+                </a:solidFill>
+                <a:latin typeface="Times New Roman" pitchFamily="18" charset="0"/>
+                <a:cs typeface="Times New Roman" pitchFamily="18" charset="0"/>
+              </a:rPr>
+              <a:t>&gt;: To create a new </a:t>
+            </a:r>
+            <a:r>
+              <a:rPr lang="en-US" sz="2000" b="1" dirty="0" smtClean="0">
+                <a:solidFill>
+                  <a:schemeClr val="bg1"/>
+                </a:solidFill>
+                <a:latin typeface="Times New Roman" pitchFamily="18" charset="0"/>
+                <a:cs typeface="Times New Roman" pitchFamily="18" charset="0"/>
+              </a:rPr>
+              <a:t>branch</a:t>
+            </a:r>
+          </a:p>
+          <a:p>
+            <a:pPr lvl="2">
+              <a:buFont typeface="Wingdings" pitchFamily="2" charset="2"/>
+              <a:buChar char="Ø"/>
+            </a:pPr>
+            <a:r>
+              <a:rPr lang="en-US" sz="2000" b="1" dirty="0" err="1">
+                <a:solidFill>
+                  <a:schemeClr val="bg1"/>
+                </a:solidFill>
+                <a:latin typeface="Times New Roman" pitchFamily="18" charset="0"/>
+                <a:cs typeface="Times New Roman" pitchFamily="18" charset="0"/>
+              </a:rPr>
+              <a:t>git</a:t>
+            </a:r>
+            <a:r>
+              <a:rPr lang="en-US" sz="2000" b="1" dirty="0">
+                <a:solidFill>
+                  <a:schemeClr val="bg1"/>
+                </a:solidFill>
+                <a:latin typeface="Times New Roman" pitchFamily="18" charset="0"/>
+                <a:cs typeface="Times New Roman" pitchFamily="18" charset="0"/>
+              </a:rPr>
+              <a:t> checkout &lt;</a:t>
+            </a:r>
+            <a:r>
+              <a:rPr lang="en-US" sz="2000" b="1" dirty="0" err="1">
+                <a:solidFill>
+                  <a:schemeClr val="bg1"/>
+                </a:solidFill>
+                <a:latin typeface="Times New Roman" pitchFamily="18" charset="0"/>
+                <a:cs typeface="Times New Roman" pitchFamily="18" charset="0"/>
+              </a:rPr>
+              <a:t>branch_name</a:t>
+            </a:r>
+            <a:r>
+              <a:rPr lang="en-US" sz="2000" b="1" dirty="0">
+                <a:solidFill>
+                  <a:schemeClr val="bg1"/>
+                </a:solidFill>
+                <a:latin typeface="Times New Roman" pitchFamily="18" charset="0"/>
+                <a:cs typeface="Times New Roman" pitchFamily="18" charset="0"/>
+              </a:rPr>
+              <a:t>&gt;: To switch to an existing </a:t>
+            </a:r>
+            <a:r>
+              <a:rPr lang="en-US" sz="2000" b="1" dirty="0" smtClean="0">
+                <a:solidFill>
+                  <a:schemeClr val="bg1"/>
+                </a:solidFill>
+                <a:latin typeface="Times New Roman" pitchFamily="18" charset="0"/>
+                <a:cs typeface="Times New Roman" pitchFamily="18" charset="0"/>
+              </a:rPr>
+              <a:t>branch</a:t>
+            </a:r>
+          </a:p>
+          <a:p>
+            <a:pPr lvl="2">
+              <a:buFont typeface="Wingdings" pitchFamily="2" charset="2"/>
+              <a:buChar char="Ø"/>
+            </a:pPr>
+            <a:r>
+              <a:rPr lang="en-US" sz="2000" b="1" dirty="0" err="1">
+                <a:solidFill>
+                  <a:schemeClr val="bg1"/>
+                </a:solidFill>
+                <a:latin typeface="Times New Roman" pitchFamily="18" charset="0"/>
+                <a:cs typeface="Times New Roman" pitchFamily="18" charset="0"/>
+              </a:rPr>
+              <a:t>git</a:t>
+            </a:r>
+            <a:r>
+              <a:rPr lang="en-US" sz="2000" b="1" dirty="0">
+                <a:solidFill>
+                  <a:schemeClr val="bg1"/>
+                </a:solidFill>
+                <a:latin typeface="Times New Roman" pitchFamily="18" charset="0"/>
+                <a:cs typeface="Times New Roman" pitchFamily="18" charset="0"/>
+              </a:rPr>
+              <a:t> checkout -b &lt;</a:t>
+            </a:r>
+            <a:r>
+              <a:rPr lang="en-US" sz="2000" b="1" dirty="0" err="1">
+                <a:solidFill>
+                  <a:schemeClr val="bg1"/>
+                </a:solidFill>
+                <a:latin typeface="Times New Roman" pitchFamily="18" charset="0"/>
+                <a:cs typeface="Times New Roman" pitchFamily="18" charset="0"/>
+              </a:rPr>
+              <a:t>branch_name</a:t>
+            </a:r>
+            <a:r>
+              <a:rPr lang="en-US" sz="2000" b="1" dirty="0">
+                <a:solidFill>
+                  <a:schemeClr val="bg1"/>
+                </a:solidFill>
+                <a:latin typeface="Times New Roman" pitchFamily="18" charset="0"/>
+                <a:cs typeface="Times New Roman" pitchFamily="18" charset="0"/>
+              </a:rPr>
+              <a:t>&gt;: Create and Switch </a:t>
+            </a:r>
+            <a:r>
+              <a:rPr lang="en-US" sz="2000" b="1" dirty="0" smtClean="0">
+                <a:solidFill>
+                  <a:schemeClr val="bg1"/>
+                </a:solidFill>
+                <a:latin typeface="Times New Roman" pitchFamily="18" charset="0"/>
+                <a:cs typeface="Times New Roman" pitchFamily="18" charset="0"/>
+              </a:rPr>
+              <a:t>Branch</a:t>
+            </a:r>
+          </a:p>
+          <a:p>
+            <a:pPr lvl="2">
+              <a:buFont typeface="Wingdings" pitchFamily="2" charset="2"/>
+              <a:buChar char="Ø"/>
+            </a:pPr>
+            <a:r>
+              <a:rPr lang="en-US" sz="2000" b="1" dirty="0" err="1">
+                <a:solidFill>
+                  <a:schemeClr val="bg1"/>
+                </a:solidFill>
+                <a:latin typeface="Times New Roman" pitchFamily="18" charset="0"/>
+                <a:cs typeface="Times New Roman" pitchFamily="18" charset="0"/>
+              </a:rPr>
+              <a:t>git</a:t>
+            </a:r>
+            <a:r>
+              <a:rPr lang="en-US" sz="2000" b="1" dirty="0">
+                <a:solidFill>
+                  <a:schemeClr val="bg1"/>
+                </a:solidFill>
+                <a:latin typeface="Times New Roman" pitchFamily="18" charset="0"/>
+                <a:cs typeface="Times New Roman" pitchFamily="18" charset="0"/>
+              </a:rPr>
+              <a:t> branch -d &lt;</a:t>
+            </a:r>
+            <a:r>
+              <a:rPr lang="en-US" sz="2000" b="1" dirty="0" err="1">
+                <a:solidFill>
+                  <a:schemeClr val="bg1"/>
+                </a:solidFill>
+                <a:latin typeface="Times New Roman" pitchFamily="18" charset="0"/>
+                <a:cs typeface="Times New Roman" pitchFamily="18" charset="0"/>
+              </a:rPr>
+              <a:t>branch_name</a:t>
+            </a:r>
+            <a:r>
+              <a:rPr lang="en-US" sz="2000" b="1" dirty="0">
+                <a:solidFill>
+                  <a:schemeClr val="bg1"/>
+                </a:solidFill>
+                <a:latin typeface="Times New Roman" pitchFamily="18" charset="0"/>
+                <a:cs typeface="Times New Roman" pitchFamily="18" charset="0"/>
+              </a:rPr>
+              <a:t>&gt;: To delete a </a:t>
+            </a:r>
+            <a:r>
+              <a:rPr lang="en-US" sz="2000" b="1" dirty="0" smtClean="0">
+                <a:solidFill>
+                  <a:schemeClr val="bg1"/>
+                </a:solidFill>
+                <a:latin typeface="Times New Roman" pitchFamily="18" charset="0"/>
+                <a:cs typeface="Times New Roman" pitchFamily="18" charset="0"/>
+              </a:rPr>
+              <a:t>branch</a:t>
+            </a:r>
+          </a:p>
+          <a:p>
+            <a:pPr lvl="2">
+              <a:buFont typeface="Wingdings" pitchFamily="2" charset="2"/>
+              <a:buChar char="Ø"/>
+            </a:pPr>
+            <a:r>
+              <a:rPr lang="en-US" sz="2000" b="1" dirty="0" err="1">
+                <a:solidFill>
+                  <a:schemeClr val="bg1"/>
+                </a:solidFill>
+                <a:latin typeface="Times New Roman" pitchFamily="18" charset="0"/>
+                <a:cs typeface="Times New Roman" pitchFamily="18" charset="0"/>
+              </a:rPr>
+              <a:t>git</a:t>
+            </a:r>
+            <a:r>
+              <a:rPr lang="en-US" sz="2000" b="1" dirty="0">
+                <a:solidFill>
+                  <a:schemeClr val="bg1"/>
+                </a:solidFill>
+                <a:latin typeface="Times New Roman" pitchFamily="18" charset="0"/>
+                <a:cs typeface="Times New Roman" pitchFamily="18" charset="0"/>
+              </a:rPr>
+              <a:t> push -u origin &lt;</a:t>
+            </a:r>
+            <a:r>
+              <a:rPr lang="en-US" sz="2000" b="1" dirty="0" err="1">
+                <a:solidFill>
+                  <a:schemeClr val="bg1"/>
+                </a:solidFill>
+                <a:latin typeface="Times New Roman" pitchFamily="18" charset="0"/>
+                <a:cs typeface="Times New Roman" pitchFamily="18" charset="0"/>
+              </a:rPr>
+              <a:t>branch_name</a:t>
+            </a:r>
+            <a:r>
+              <a:rPr lang="en-US" sz="2000" b="1" dirty="0">
+                <a:solidFill>
+                  <a:schemeClr val="bg1"/>
+                </a:solidFill>
+                <a:latin typeface="Times New Roman" pitchFamily="18" charset="0"/>
+                <a:cs typeface="Times New Roman" pitchFamily="18" charset="0"/>
+              </a:rPr>
+              <a:t>&gt;: push my new branch to my </a:t>
+            </a:r>
+            <a:r>
+              <a:rPr lang="en-US" sz="2000" b="1" dirty="0" smtClean="0">
+                <a:solidFill>
+                  <a:schemeClr val="bg1"/>
+                </a:solidFill>
+                <a:latin typeface="Times New Roman" pitchFamily="18" charset="0"/>
+                <a:cs typeface="Times New Roman" pitchFamily="18" charset="0"/>
+              </a:rPr>
+              <a:t>repo for the first time</a:t>
+            </a:r>
+          </a:p>
+          <a:p>
+            <a:pPr lvl="2">
+              <a:buFont typeface="Wingdings" pitchFamily="2" charset="2"/>
+              <a:buChar char="Ø"/>
+            </a:pPr>
+            <a:r>
+              <a:rPr lang="en-US" sz="2000" b="1" dirty="0" err="1">
+                <a:solidFill>
+                  <a:schemeClr val="bg1"/>
+                </a:solidFill>
+                <a:latin typeface="Times New Roman" pitchFamily="18" charset="0"/>
+                <a:cs typeface="Times New Roman" pitchFamily="18" charset="0"/>
+              </a:rPr>
+              <a:t>git</a:t>
+            </a:r>
+            <a:r>
+              <a:rPr lang="en-US" sz="2000" b="1" dirty="0">
+                <a:solidFill>
+                  <a:schemeClr val="bg1"/>
+                </a:solidFill>
+                <a:latin typeface="Times New Roman" pitchFamily="18" charset="0"/>
+                <a:cs typeface="Times New Roman" pitchFamily="18" charset="0"/>
+              </a:rPr>
+              <a:t> push origin &lt;</a:t>
+            </a:r>
+            <a:r>
+              <a:rPr lang="en-US" sz="2000" b="1" dirty="0" err="1">
+                <a:solidFill>
+                  <a:schemeClr val="bg1"/>
+                </a:solidFill>
+                <a:latin typeface="Times New Roman" pitchFamily="18" charset="0"/>
+                <a:cs typeface="Times New Roman" pitchFamily="18" charset="0"/>
+              </a:rPr>
+              <a:t>branch_name</a:t>
+            </a:r>
+            <a:r>
+              <a:rPr lang="en-US" sz="2000" b="1" dirty="0" smtClean="0">
+                <a:solidFill>
+                  <a:schemeClr val="bg1"/>
+                </a:solidFill>
+                <a:latin typeface="Times New Roman" pitchFamily="18" charset="0"/>
+                <a:cs typeface="Times New Roman" pitchFamily="18" charset="0"/>
+              </a:rPr>
+              <a:t>&gt;: </a:t>
+            </a:r>
+            <a:r>
+              <a:rPr lang="en-US" sz="2000" b="1" dirty="0">
+                <a:solidFill>
+                  <a:schemeClr val="bg1"/>
+                </a:solidFill>
+                <a:latin typeface="Times New Roman" pitchFamily="18" charset="0"/>
+                <a:cs typeface="Times New Roman" pitchFamily="18" charset="0"/>
+              </a:rPr>
+              <a:t>push my new branch to my repo for the first </a:t>
+            </a:r>
+            <a:r>
+              <a:rPr lang="en-US" sz="2000" b="1" dirty="0" smtClean="0">
+                <a:solidFill>
+                  <a:schemeClr val="bg1"/>
+                </a:solidFill>
+                <a:latin typeface="Times New Roman" pitchFamily="18" charset="0"/>
+                <a:cs typeface="Times New Roman" pitchFamily="18" charset="0"/>
+              </a:rPr>
+              <a:t>time</a:t>
+            </a:r>
+            <a:r>
+              <a:rPr lang="en-US" sz="2000" b="1" dirty="0">
+                <a:solidFill>
+                  <a:schemeClr val="bg1"/>
+                </a:solidFill>
+                <a:latin typeface="Times New Roman" pitchFamily="18" charset="0"/>
+                <a:cs typeface="Times New Roman" pitchFamily="18" charset="0"/>
+              </a:rPr>
+              <a:t> </a:t>
+            </a:r>
+            <a:r>
+              <a:rPr lang="en-US" sz="2000" b="1" dirty="0" smtClean="0">
+                <a:solidFill>
+                  <a:schemeClr val="bg1"/>
+                </a:solidFill>
+                <a:latin typeface="Times New Roman" pitchFamily="18" charset="0"/>
+                <a:cs typeface="Times New Roman" pitchFamily="18" charset="0"/>
+              </a:rPr>
+              <a:t>(After first time)</a:t>
+            </a:r>
+            <a:endParaRPr lang="en-US" sz="2000" b="1" dirty="0">
+              <a:solidFill>
+                <a:schemeClr val="bg1"/>
+              </a:solidFill>
+              <a:latin typeface="Times New Roman" pitchFamily="18" charset="0"/>
+              <a:cs typeface="Times New Roman" pitchFamily="18" charset="0"/>
+            </a:endParaRPr>
+          </a:p>
+        </p:txBody>
+      </p:sp>
+      <p:pic>
+        <p:nvPicPr>
+          <p:cNvPr id="5" name="Picture 4"/>
+          <p:cNvPicPr>
+            <a:picLocks noChangeAspect="1"/>
+          </p:cNvPicPr>
+          <p:nvPr/>
+        </p:nvPicPr>
+        <p:blipFill rotWithShape="1">
+          <a:blip r:embed="rId2">
+            <a:extLst>
+              <a:ext uri="{28A0092B-C50C-407E-A947-70E740481C1C}">
+                <a14:useLocalDpi xmlns:a14="http://schemas.microsoft.com/office/drawing/2010/main" val="0"/>
+              </a:ext>
+            </a:extLst>
+          </a:blip>
+          <a:srcRect t="34800" b="40400"/>
+          <a:stretch/>
+        </p:blipFill>
+        <p:spPr>
+          <a:xfrm>
+            <a:off x="7162800" y="7925"/>
+            <a:ext cx="1981200" cy="491338"/>
+          </a:xfrm>
+          <a:prstGeom prst="rect">
+            <a:avLst/>
+          </a:prstGeom>
+        </p:spPr>
+      </p:pic>
+    </p:spTree>
+    <p:extLst>
+      <p:ext uri="{BB962C8B-B14F-4D97-AF65-F5344CB8AC3E}">
+        <p14:creationId xmlns:p14="http://schemas.microsoft.com/office/powerpoint/2010/main" val="533524805"/>
+      </p:ext>
+    </p:extLst>
+  </p:cSld>
+  <p:clrMapOvr>
+    <a:masterClrMapping/>
+  </p:clrMapOvr>
+  <p:timing>
+    <p:tnLst>
+      <p:par>
+        <p:cTn id="1" dur="indefinite" restart="never" nodeType="tmRoot"/>
+      </p:par>
+    </p:tnLst>
+  </p:timing>
+</p:sld>
+</file>
+
+<file path=ppt/slides/slide18.xml><?xml version="1.0" encoding="utf-8"?>
+<p:sld xmlns:a="http://schemas.openxmlformats.org/drawingml/2006/main" xmlns:r="http://schemas.openxmlformats.org/officeDocument/2006/relationships" xmlns:p="http://schemas.openxmlformats.org/presentationml/2006/main">
+  <p:cSld>
+    <p:spTree>
+      <p:nvGrpSpPr>
+        <p:cNvPr id="1" name=""/>
+        <p:cNvGrpSpPr/>
+        <p:nvPr/>
+      </p:nvGrpSpPr>
+      <p:grpSpPr>
+        <a:xfrm>
+          <a:off x="0" y="0"/>
+          <a:ext cx="0" cy="0"/>
+          <a:chOff x="0" y="0"/>
+          <a:chExt cx="0" cy="0"/>
+        </a:xfrm>
+      </p:grpSpPr>
+      <p:sp>
+        <p:nvSpPr>
+          <p:cNvPr id="2" name="Title 1"/>
+          <p:cNvSpPr>
+            <a:spLocks noGrp="1"/>
+          </p:cNvSpPr>
+          <p:nvPr>
+            <p:ph type="title"/>
+          </p:nvPr>
+        </p:nvSpPr>
+        <p:spPr/>
+        <p:txBody>
+          <a:bodyPr/>
+          <a:lstStyle/>
+          <a:p>
+            <a:r>
+              <a:rPr lang="en-US" dirty="0" smtClean="0">
+                <a:solidFill>
+                  <a:schemeClr val="bg1"/>
+                </a:solidFill>
+              </a:rPr>
+              <a:t>How to do basic collaboration</a:t>
+            </a:r>
+            <a:endParaRPr lang="en-US" dirty="0">
+              <a:solidFill>
+                <a:schemeClr val="bg1"/>
+              </a:solidFill>
+            </a:endParaRPr>
+          </a:p>
+        </p:txBody>
+      </p:sp>
+      <p:sp>
+        <p:nvSpPr>
+          <p:cNvPr id="3" name="Content Placeholder 2"/>
+          <p:cNvSpPr>
+            <a:spLocks noGrp="1"/>
+          </p:cNvSpPr>
+          <p:nvPr>
+            <p:ph idx="1"/>
+          </p:nvPr>
+        </p:nvSpPr>
+        <p:spPr>
+          <a:xfrm>
+            <a:off x="457200" y="1600200"/>
+            <a:ext cx="8686800" cy="4525963"/>
+          </a:xfrm>
+        </p:spPr>
+        <p:txBody>
+          <a:bodyPr>
+            <a:normAutofit/>
+          </a:bodyPr>
+          <a:lstStyle/>
+          <a:p>
+            <a:pPr lvl="2">
+              <a:buFont typeface="Wingdings" pitchFamily="2" charset="2"/>
+              <a:buChar char="Ø"/>
+            </a:pPr>
+            <a:r>
+              <a:rPr lang="en-US" sz="2000" b="1" dirty="0" err="1">
+                <a:solidFill>
+                  <a:schemeClr val="bg1"/>
+                </a:solidFill>
+                <a:latin typeface="Times New Roman" pitchFamily="18" charset="0"/>
+                <a:cs typeface="Times New Roman" pitchFamily="18" charset="0"/>
+              </a:rPr>
+              <a:t>git</a:t>
+            </a:r>
+            <a:r>
+              <a:rPr lang="en-US" sz="2000" b="1" dirty="0">
+                <a:solidFill>
+                  <a:schemeClr val="bg1"/>
+                </a:solidFill>
+                <a:latin typeface="Times New Roman" pitchFamily="18" charset="0"/>
+                <a:cs typeface="Times New Roman" pitchFamily="18" charset="0"/>
+              </a:rPr>
+              <a:t> clone &lt;</a:t>
+            </a:r>
+            <a:r>
+              <a:rPr lang="en-US" sz="2000" b="1" dirty="0" err="1">
+                <a:solidFill>
+                  <a:schemeClr val="bg1"/>
+                </a:solidFill>
+                <a:latin typeface="Times New Roman" pitchFamily="18" charset="0"/>
+                <a:cs typeface="Times New Roman" pitchFamily="18" charset="0"/>
+              </a:rPr>
+              <a:t>repository_URL</a:t>
+            </a:r>
+            <a:r>
+              <a:rPr lang="en-US" sz="2000" b="1" dirty="0">
+                <a:solidFill>
+                  <a:schemeClr val="bg1"/>
+                </a:solidFill>
+                <a:latin typeface="Times New Roman" pitchFamily="18" charset="0"/>
+                <a:cs typeface="Times New Roman" pitchFamily="18" charset="0"/>
+              </a:rPr>
+              <a:t>&gt;</a:t>
+            </a:r>
+            <a:endParaRPr lang="en-US" sz="2000" b="1" dirty="0" smtClean="0">
+              <a:solidFill>
+                <a:schemeClr val="bg1"/>
+              </a:solidFill>
+              <a:latin typeface="Times New Roman" pitchFamily="18" charset="0"/>
+              <a:cs typeface="Times New Roman" pitchFamily="18" charset="0"/>
+            </a:endParaRPr>
+          </a:p>
+          <a:p>
+            <a:pPr lvl="2">
+              <a:buFont typeface="Wingdings" pitchFamily="2" charset="2"/>
+              <a:buChar char="Ø"/>
+            </a:pPr>
+            <a:r>
+              <a:rPr lang="en-US" sz="2000" b="1" dirty="0" err="1">
+                <a:solidFill>
+                  <a:schemeClr val="bg1"/>
+                </a:solidFill>
+                <a:latin typeface="Times New Roman" pitchFamily="18" charset="0"/>
+                <a:cs typeface="Times New Roman" pitchFamily="18" charset="0"/>
+              </a:rPr>
+              <a:t>git</a:t>
+            </a:r>
+            <a:r>
+              <a:rPr lang="en-US" sz="2000" b="1" dirty="0">
+                <a:solidFill>
+                  <a:schemeClr val="bg1"/>
+                </a:solidFill>
+                <a:latin typeface="Times New Roman" pitchFamily="18" charset="0"/>
+                <a:cs typeface="Times New Roman" pitchFamily="18" charset="0"/>
+              </a:rPr>
+              <a:t> checkout -b &lt;</a:t>
+            </a:r>
+            <a:r>
+              <a:rPr lang="en-US" sz="2000" b="1" dirty="0" err="1">
+                <a:solidFill>
+                  <a:schemeClr val="bg1"/>
+                </a:solidFill>
+                <a:latin typeface="Times New Roman" pitchFamily="18" charset="0"/>
+                <a:cs typeface="Times New Roman" pitchFamily="18" charset="0"/>
+              </a:rPr>
+              <a:t>branch_name</a:t>
+            </a:r>
+            <a:r>
+              <a:rPr lang="en-US" sz="2000" b="1" dirty="0" smtClean="0">
+                <a:solidFill>
+                  <a:schemeClr val="bg1"/>
+                </a:solidFill>
+                <a:latin typeface="Times New Roman" pitchFamily="18" charset="0"/>
+                <a:cs typeface="Times New Roman" pitchFamily="18" charset="0"/>
+              </a:rPr>
+              <a:t>&gt;</a:t>
+            </a:r>
+          </a:p>
+          <a:p>
+            <a:pPr lvl="2">
+              <a:buFont typeface="Wingdings" pitchFamily="2" charset="2"/>
+              <a:buChar char="Ø"/>
+            </a:pPr>
+            <a:r>
+              <a:rPr lang="en-US" sz="2000" b="1" dirty="0" smtClean="0">
+                <a:solidFill>
+                  <a:schemeClr val="bg1"/>
+                </a:solidFill>
+                <a:latin typeface="Times New Roman" pitchFamily="18" charset="0"/>
+                <a:cs typeface="Times New Roman" pitchFamily="18" charset="0"/>
+              </a:rPr>
+              <a:t>Change, add and commit [Please check last class]</a:t>
+            </a:r>
+            <a:endParaRPr lang="en-US" sz="2000" b="1" dirty="0">
+              <a:solidFill>
+                <a:schemeClr val="bg1"/>
+              </a:solidFill>
+              <a:latin typeface="Times New Roman" pitchFamily="18" charset="0"/>
+              <a:cs typeface="Times New Roman" pitchFamily="18" charset="0"/>
+            </a:endParaRPr>
+          </a:p>
+          <a:p>
+            <a:pPr lvl="2">
+              <a:buFont typeface="Wingdings" pitchFamily="2" charset="2"/>
+              <a:buChar char="Ø"/>
+            </a:pPr>
+            <a:r>
+              <a:rPr lang="en-US" sz="2000" b="1" dirty="0" err="1" smtClean="0">
+                <a:solidFill>
+                  <a:schemeClr val="bg1"/>
+                </a:solidFill>
+                <a:latin typeface="Times New Roman" pitchFamily="18" charset="0"/>
+                <a:cs typeface="Times New Roman" pitchFamily="18" charset="0"/>
+              </a:rPr>
+              <a:t>git</a:t>
+            </a:r>
+            <a:r>
+              <a:rPr lang="en-US" sz="2000" b="1" dirty="0" smtClean="0">
+                <a:solidFill>
+                  <a:schemeClr val="bg1"/>
+                </a:solidFill>
+                <a:latin typeface="Times New Roman" pitchFamily="18" charset="0"/>
+                <a:cs typeface="Times New Roman" pitchFamily="18" charset="0"/>
+              </a:rPr>
+              <a:t> </a:t>
+            </a:r>
+            <a:r>
+              <a:rPr lang="en-US" sz="2000" b="1" dirty="0">
+                <a:solidFill>
+                  <a:schemeClr val="bg1"/>
+                </a:solidFill>
+                <a:latin typeface="Times New Roman" pitchFamily="18" charset="0"/>
+                <a:cs typeface="Times New Roman" pitchFamily="18" charset="0"/>
+              </a:rPr>
+              <a:t>push origin &lt;</a:t>
+            </a:r>
+            <a:r>
+              <a:rPr lang="en-US" sz="2000" b="1" dirty="0" err="1">
+                <a:solidFill>
+                  <a:schemeClr val="bg1"/>
+                </a:solidFill>
+                <a:latin typeface="Times New Roman" pitchFamily="18" charset="0"/>
+                <a:cs typeface="Times New Roman" pitchFamily="18" charset="0"/>
+              </a:rPr>
+              <a:t>branch_name</a:t>
+            </a:r>
+            <a:r>
+              <a:rPr lang="en-US" sz="2000" b="1" dirty="0" smtClean="0">
+                <a:solidFill>
+                  <a:schemeClr val="bg1"/>
+                </a:solidFill>
+                <a:latin typeface="Times New Roman" pitchFamily="18" charset="0"/>
+                <a:cs typeface="Times New Roman" pitchFamily="18" charset="0"/>
+              </a:rPr>
+              <a:t>&gt;: </a:t>
+            </a:r>
+            <a:r>
+              <a:rPr lang="en-US" sz="2000" b="1" dirty="0">
+                <a:solidFill>
+                  <a:schemeClr val="bg1"/>
+                </a:solidFill>
+                <a:latin typeface="Times New Roman" pitchFamily="18" charset="0"/>
+                <a:cs typeface="Times New Roman" pitchFamily="18" charset="0"/>
+              </a:rPr>
+              <a:t>push my new branch to my repo for the first </a:t>
+            </a:r>
+            <a:r>
+              <a:rPr lang="en-US" sz="2000" b="1" dirty="0" smtClean="0">
+                <a:solidFill>
+                  <a:schemeClr val="bg1"/>
+                </a:solidFill>
+                <a:latin typeface="Times New Roman" pitchFamily="18" charset="0"/>
+                <a:cs typeface="Times New Roman" pitchFamily="18" charset="0"/>
+              </a:rPr>
+              <a:t>time</a:t>
+            </a:r>
+            <a:r>
+              <a:rPr lang="en-US" sz="2000" b="1" dirty="0">
+                <a:solidFill>
+                  <a:schemeClr val="bg1"/>
+                </a:solidFill>
+                <a:latin typeface="Times New Roman" pitchFamily="18" charset="0"/>
+                <a:cs typeface="Times New Roman" pitchFamily="18" charset="0"/>
+              </a:rPr>
+              <a:t> </a:t>
+            </a:r>
+            <a:r>
+              <a:rPr lang="en-US" sz="2000" b="1" dirty="0" smtClean="0">
+                <a:solidFill>
+                  <a:schemeClr val="bg1"/>
+                </a:solidFill>
+                <a:latin typeface="Times New Roman" pitchFamily="18" charset="0"/>
+                <a:cs typeface="Times New Roman" pitchFamily="18" charset="0"/>
+              </a:rPr>
+              <a:t>(After first time)</a:t>
+            </a:r>
+          </a:p>
+          <a:p>
+            <a:pPr lvl="2">
+              <a:buFont typeface="Wingdings" pitchFamily="2" charset="2"/>
+              <a:buChar char="Ø"/>
+            </a:pPr>
+            <a:r>
+              <a:rPr lang="en-US" sz="2000" b="1" dirty="0" err="1">
+                <a:solidFill>
+                  <a:schemeClr val="bg1"/>
+                </a:solidFill>
+                <a:latin typeface="Times New Roman" pitchFamily="18" charset="0"/>
+                <a:cs typeface="Times New Roman" pitchFamily="18" charset="0"/>
+              </a:rPr>
+              <a:t>git</a:t>
+            </a:r>
+            <a:r>
+              <a:rPr lang="en-US" sz="2000" b="1" dirty="0">
+                <a:solidFill>
+                  <a:schemeClr val="bg1"/>
+                </a:solidFill>
+                <a:latin typeface="Times New Roman" pitchFamily="18" charset="0"/>
+                <a:cs typeface="Times New Roman" pitchFamily="18" charset="0"/>
+              </a:rPr>
+              <a:t> pull </a:t>
+            </a:r>
+            <a:r>
+              <a:rPr lang="en-US" sz="2000" b="1" dirty="0" smtClean="0">
+                <a:solidFill>
+                  <a:schemeClr val="bg1"/>
+                </a:solidFill>
+                <a:latin typeface="Times New Roman" pitchFamily="18" charset="0"/>
+                <a:cs typeface="Times New Roman" pitchFamily="18" charset="0"/>
+              </a:rPr>
+              <a:t> &lt;</a:t>
+            </a:r>
+            <a:r>
+              <a:rPr lang="en-US" sz="2000" b="1" dirty="0" err="1">
+                <a:solidFill>
+                  <a:schemeClr val="bg1"/>
+                </a:solidFill>
+                <a:latin typeface="Times New Roman" pitchFamily="18" charset="0"/>
+                <a:cs typeface="Times New Roman" pitchFamily="18" charset="0"/>
+              </a:rPr>
+              <a:t>remote_name</a:t>
+            </a:r>
+            <a:r>
+              <a:rPr lang="en-US" sz="2000" b="1" dirty="0">
+                <a:solidFill>
+                  <a:schemeClr val="bg1"/>
+                </a:solidFill>
+                <a:latin typeface="Times New Roman" pitchFamily="18" charset="0"/>
+                <a:cs typeface="Times New Roman" pitchFamily="18" charset="0"/>
+              </a:rPr>
+              <a:t>&gt; &lt;</a:t>
+            </a:r>
+            <a:r>
+              <a:rPr lang="en-US" sz="2000" b="1" dirty="0" err="1">
+                <a:solidFill>
+                  <a:schemeClr val="bg1"/>
+                </a:solidFill>
+                <a:latin typeface="Times New Roman" pitchFamily="18" charset="0"/>
+                <a:cs typeface="Times New Roman" pitchFamily="18" charset="0"/>
+              </a:rPr>
+              <a:t>branch_name</a:t>
+            </a:r>
+            <a:r>
+              <a:rPr lang="en-US" sz="2000" b="1" dirty="0">
+                <a:solidFill>
+                  <a:schemeClr val="bg1"/>
+                </a:solidFill>
+                <a:latin typeface="Times New Roman" pitchFamily="18" charset="0"/>
+                <a:cs typeface="Times New Roman" pitchFamily="18" charset="0"/>
+              </a:rPr>
+              <a:t>&gt;</a:t>
+            </a:r>
+          </a:p>
+        </p:txBody>
+      </p:sp>
+      <p:pic>
+        <p:nvPicPr>
+          <p:cNvPr id="5" name="Picture 4"/>
+          <p:cNvPicPr>
+            <a:picLocks noChangeAspect="1"/>
+          </p:cNvPicPr>
+          <p:nvPr/>
+        </p:nvPicPr>
+        <p:blipFill rotWithShape="1">
+          <a:blip r:embed="rId2">
+            <a:extLst>
+              <a:ext uri="{28A0092B-C50C-407E-A947-70E740481C1C}">
+                <a14:useLocalDpi xmlns:a14="http://schemas.microsoft.com/office/drawing/2010/main" val="0"/>
+              </a:ext>
+            </a:extLst>
+          </a:blip>
+          <a:srcRect t="34800" b="40400"/>
+          <a:stretch/>
+        </p:blipFill>
+        <p:spPr>
+          <a:xfrm>
+            <a:off x="7162800" y="7925"/>
+            <a:ext cx="1981200" cy="491338"/>
+          </a:xfrm>
+          <a:prstGeom prst="rect">
+            <a:avLst/>
+          </a:prstGeom>
+        </p:spPr>
+      </p:pic>
+    </p:spTree>
+    <p:extLst>
+      <p:ext uri="{BB962C8B-B14F-4D97-AF65-F5344CB8AC3E}">
+        <p14:creationId xmlns:p14="http://schemas.microsoft.com/office/powerpoint/2010/main" val="394822572"/>
+      </p:ext>
+    </p:extLst>
+  </p:cSld>
+  <p:clrMapOvr>
+    <a:masterClrMapping/>
+  </p:clrMapOvr>
+  <p:timing>
+    <p:tnLst>
+      <p:par>
+        <p:cTn id="1" dur="indefinite" restart="never" nodeType="tmRoot"/>
+      </p:par>
+    </p:tnLst>
+  </p:timing>
+</p:sld>
+</file>
+
+<file path=ppt/slides/slide19.xml><?xml version="1.0" encoding="utf-8"?>
+<p:sld xmlns:a="http://schemas.openxmlformats.org/drawingml/2006/main" xmlns:r="http://schemas.openxmlformats.org/officeDocument/2006/relationships" xmlns:p="http://schemas.openxmlformats.org/presentationml/2006/main">
+  <p:cSld>
+    <p:spTree>
+      <p:nvGrpSpPr>
+        <p:cNvPr id="1" name=""/>
+        <p:cNvGrpSpPr/>
+        <p:nvPr/>
+      </p:nvGrpSpPr>
+      <p:grpSpPr>
+        <a:xfrm>
+          <a:off x="0" y="0"/>
+          <a:ext cx="0" cy="0"/>
+          <a:chOff x="0" y="0"/>
+          <a:chExt cx="0" cy="0"/>
+        </a:xfrm>
+      </p:grpSpPr>
+      <p:sp>
+        <p:nvSpPr>
           <p:cNvPr id="3" name="Content Placeholder 2"/>
           <p:cNvSpPr>
             <a:spLocks noGrp="1"/>
@@ -5736,17 +8105,7 @@
                 <a:latin typeface="Times New Roman" pitchFamily="18" charset="0"/>
                 <a:cs typeface="Times New Roman" pitchFamily="18" charset="0"/>
               </a:rPr>
-              <a:t>Edit </a:t>
-            </a:r>
-            <a:r>
-              <a:rPr lang="en-US" sz="2000" b="1" dirty="0" smtClean="0">
-                <a:solidFill>
-                  <a:schemeClr val="bg1"/>
-                </a:solidFill>
-                <a:latin typeface="Times New Roman" pitchFamily="18" charset="0"/>
-                <a:cs typeface="Times New Roman" pitchFamily="18" charset="0"/>
-              </a:rPr>
-              <a:t>Things </a:t>
+              <a:t>Edit Things </a:t>
             </a:r>
             <a:r>
               <a:rPr lang="en-US" sz="2000" b="1" dirty="0" err="1" smtClean="0">
